--- a/mlops_implementation_deck.pptx
+++ b/mlops_implementation_deck.pptx
@@ -7,6 +7,7 @@
   <p:sldIdLst>
     <p:sldId id="256" r:id="rId2"/>
     <p:sldId id="257" r:id="rId3"/>
+    <p:sldId id="258" r:id="rId4"/>
   </p:sldIdLst>
   <p:sldSz cx="12192000" cy="6858000"/>
   <p:notesSz cx="6858000" cy="9144000"/>
@@ -105,6 +106,11 @@
       </a:defRPr>
     </a:lvl9pPr>
   </p:defaultTextStyle>
+  <p:extLst>
+    <p:ext uri="{EFAFB233-063F-42B5-8137-9DF3F51BA10A}">
+      <p15:sldGuideLst xmlns:p15="http://schemas.microsoft.com/office/powerpoint/2012/main"/>
+    </p:ext>
+  </p:extLst>
 </p:presentation>
 </file>
 
@@ -257,7 +263,7 @@
           <a:p>
             <a:fld id="{52F161B9-2D9F-4F18-9C4E-CAAFD87A156A}" type="datetimeFigureOut">
               <a:rPr lang="en-IN" smtClean="0"/>
-              <a:t>09-12-2024</a:t>
+              <a:t>15-12-2024</a:t>
             </a:fld>
             <a:endParaRPr lang="en-IN"/>
           </a:p>
@@ -457,7 +463,7 @@
           <a:p>
             <a:fld id="{52F161B9-2D9F-4F18-9C4E-CAAFD87A156A}" type="datetimeFigureOut">
               <a:rPr lang="en-IN" smtClean="0"/>
-              <a:t>09-12-2024</a:t>
+              <a:t>15-12-2024</a:t>
             </a:fld>
             <a:endParaRPr lang="en-IN"/>
           </a:p>
@@ -667,7 +673,7 @@
           <a:p>
             <a:fld id="{52F161B9-2D9F-4F18-9C4E-CAAFD87A156A}" type="datetimeFigureOut">
               <a:rPr lang="en-IN" smtClean="0"/>
-              <a:t>09-12-2024</a:t>
+              <a:t>15-12-2024</a:t>
             </a:fld>
             <a:endParaRPr lang="en-IN"/>
           </a:p>
@@ -867,7 +873,7 @@
           <a:p>
             <a:fld id="{52F161B9-2D9F-4F18-9C4E-CAAFD87A156A}" type="datetimeFigureOut">
               <a:rPr lang="en-IN" smtClean="0"/>
-              <a:t>09-12-2024</a:t>
+              <a:t>15-12-2024</a:t>
             </a:fld>
             <a:endParaRPr lang="en-IN"/>
           </a:p>
@@ -1143,7 +1149,7 @@
           <a:p>
             <a:fld id="{52F161B9-2D9F-4F18-9C4E-CAAFD87A156A}" type="datetimeFigureOut">
               <a:rPr lang="en-IN" smtClean="0"/>
-              <a:t>09-12-2024</a:t>
+              <a:t>15-12-2024</a:t>
             </a:fld>
             <a:endParaRPr lang="en-IN"/>
           </a:p>
@@ -1411,7 +1417,7 @@
           <a:p>
             <a:fld id="{52F161B9-2D9F-4F18-9C4E-CAAFD87A156A}" type="datetimeFigureOut">
               <a:rPr lang="en-IN" smtClean="0"/>
-              <a:t>09-12-2024</a:t>
+              <a:t>15-12-2024</a:t>
             </a:fld>
             <a:endParaRPr lang="en-IN"/>
           </a:p>
@@ -1826,7 +1832,7 @@
           <a:p>
             <a:fld id="{52F161B9-2D9F-4F18-9C4E-CAAFD87A156A}" type="datetimeFigureOut">
               <a:rPr lang="en-IN" smtClean="0"/>
-              <a:t>09-12-2024</a:t>
+              <a:t>15-12-2024</a:t>
             </a:fld>
             <a:endParaRPr lang="en-IN"/>
           </a:p>
@@ -1968,7 +1974,7 @@
           <a:p>
             <a:fld id="{52F161B9-2D9F-4F18-9C4E-CAAFD87A156A}" type="datetimeFigureOut">
               <a:rPr lang="en-IN" smtClean="0"/>
-              <a:t>09-12-2024</a:t>
+              <a:t>15-12-2024</a:t>
             </a:fld>
             <a:endParaRPr lang="en-IN"/>
           </a:p>
@@ -2081,7 +2087,7 @@
           <a:p>
             <a:fld id="{52F161B9-2D9F-4F18-9C4E-CAAFD87A156A}" type="datetimeFigureOut">
               <a:rPr lang="en-IN" smtClean="0"/>
-              <a:t>09-12-2024</a:t>
+              <a:t>15-12-2024</a:t>
             </a:fld>
             <a:endParaRPr lang="en-IN"/>
           </a:p>
@@ -2394,7 +2400,7 @@
           <a:p>
             <a:fld id="{52F161B9-2D9F-4F18-9C4E-CAAFD87A156A}" type="datetimeFigureOut">
               <a:rPr lang="en-IN" smtClean="0"/>
-              <a:t>09-12-2024</a:t>
+              <a:t>15-12-2024</a:t>
             </a:fld>
             <a:endParaRPr lang="en-IN"/>
           </a:p>
@@ -2683,7 +2689,7 @@
           <a:p>
             <a:fld id="{52F161B9-2D9F-4F18-9C4E-CAAFD87A156A}" type="datetimeFigureOut">
               <a:rPr lang="en-IN" smtClean="0"/>
-              <a:t>09-12-2024</a:t>
+              <a:t>15-12-2024</a:t>
             </a:fld>
             <a:endParaRPr lang="en-IN"/>
           </a:p>
@@ -2926,7 +2932,7 @@
           <a:p>
             <a:fld id="{52F161B9-2D9F-4F18-9C4E-CAAFD87A156A}" type="datetimeFigureOut">
               <a:rPr lang="en-IN" smtClean="0"/>
-              <a:t>09-12-2024</a:t>
+              <a:t>15-12-2024</a:t>
             </a:fld>
             <a:endParaRPr lang="en-IN"/>
           </a:p>
@@ -4469,6 +4475,1323 @@
 </p:sld>
 </file>
 
+<file path=ppt/slides/slide3.xml><?xml version="1.0" encoding="utf-8"?>
+<p:sld xmlns:a="http://schemas.openxmlformats.org/drawingml/2006/main" xmlns:r="http://schemas.openxmlformats.org/officeDocument/2006/relationships" xmlns:p="http://schemas.openxmlformats.org/presentationml/2006/main">
+  <p:cSld>
+    <p:spTree>
+      <p:nvGrpSpPr>
+        <p:cNvPr id="1" name="">
+          <a:extLst>
+            <a:ext uri="{FF2B5EF4-FFF2-40B4-BE49-F238E27FC236}">
+              <a16:creationId xmlns:a16="http://schemas.microsoft.com/office/drawing/2014/main" id="{8FB942F9-75EB-3A54-01FC-66506E692F32}"/>
+            </a:ext>
+          </a:extLst>
+        </p:cNvPr>
+        <p:cNvGrpSpPr/>
+        <p:nvPr/>
+      </p:nvGrpSpPr>
+      <p:grpSpPr>
+        <a:xfrm>
+          <a:off x="0" y="0"/>
+          <a:ext cx="0" cy="0"/>
+          <a:chOff x="0" y="0"/>
+          <a:chExt cx="0" cy="0"/>
+        </a:xfrm>
+      </p:grpSpPr>
+      <p:sp>
+        <p:nvSpPr>
+          <p:cNvPr id="5" name="Rectangle 4">
+            <a:extLst>
+              <a:ext uri="{FF2B5EF4-FFF2-40B4-BE49-F238E27FC236}">
+                <a16:creationId xmlns:a16="http://schemas.microsoft.com/office/drawing/2014/main" id="{F75C4253-4ABE-6C7C-5A39-3B9088F5166C}"/>
+              </a:ext>
+            </a:extLst>
+          </p:cNvPr>
+          <p:cNvSpPr/>
+          <p:nvPr/>
+        </p:nvSpPr>
+        <p:spPr>
+          <a:xfrm>
+            <a:off x="285447" y="2559352"/>
+            <a:ext cx="2186819" cy="937382"/>
+          </a:xfrm>
+          <a:prstGeom prst="rect">
+            <a:avLst/>
+          </a:prstGeom>
+          <a:ln>
+            <a:solidFill>
+              <a:schemeClr val="accent1"/>
+            </a:solidFill>
+          </a:ln>
+        </p:spPr>
+        <p:style>
+          <a:lnRef idx="2">
+            <a:schemeClr val="accent6"/>
+          </a:lnRef>
+          <a:fillRef idx="1">
+            <a:schemeClr val="lt1"/>
+          </a:fillRef>
+          <a:effectRef idx="0">
+            <a:schemeClr val="accent6"/>
+          </a:effectRef>
+          <a:fontRef idx="minor">
+            <a:schemeClr val="dk1"/>
+          </a:fontRef>
+        </p:style>
+        <p:txBody>
+          <a:bodyPr rtlCol="0" anchor="ctr"/>
+          <a:lstStyle/>
+          <a:p>
+            <a:r>
+              <a:rPr lang="en-IN" dirty="0"/>
+              <a:t>Source (Github.com)</a:t>
+            </a:r>
+          </a:p>
+          <a:p>
+            <a:pPr marL="285750" indent="-285750">
+              <a:buFontTx/>
+              <a:buChar char="-"/>
+            </a:pPr>
+            <a:r>
+              <a:rPr lang="en-IN" dirty="0"/>
+              <a:t>src/mlapp/app.py</a:t>
+            </a:r>
+          </a:p>
+          <a:p>
+            <a:pPr marL="285750" indent="-285750">
+              <a:buFontTx/>
+              <a:buChar char="-"/>
+            </a:pPr>
+            <a:r>
+              <a:rPr lang="en-IN" dirty="0"/>
+              <a:t>Data/rental.csv</a:t>
+            </a:r>
+          </a:p>
+        </p:txBody>
+      </p:sp>
+      <p:sp>
+        <p:nvSpPr>
+          <p:cNvPr id="6" name="Rectangle 5">
+            <a:extLst>
+              <a:ext uri="{FF2B5EF4-FFF2-40B4-BE49-F238E27FC236}">
+                <a16:creationId xmlns:a16="http://schemas.microsoft.com/office/drawing/2014/main" id="{80A8B48C-9E2F-8AC9-A956-7A832136218B}"/>
+              </a:ext>
+            </a:extLst>
+          </p:cNvPr>
+          <p:cNvSpPr/>
+          <p:nvPr/>
+        </p:nvSpPr>
+        <p:spPr>
+          <a:xfrm>
+            <a:off x="3067352" y="2573865"/>
+            <a:ext cx="2186819" cy="923330"/>
+          </a:xfrm>
+          <a:prstGeom prst="rect">
+            <a:avLst/>
+          </a:prstGeom>
+          <a:noFill/>
+          <a:ln>
+            <a:solidFill>
+              <a:schemeClr val="accent1"/>
+            </a:solidFill>
+          </a:ln>
+        </p:spPr>
+        <p:txBody>
+          <a:bodyPr wrap="square">
+            <a:spAutoFit/>
+          </a:bodyPr>
+          <a:lstStyle/>
+          <a:p>
+            <a:pPr marL="285750" indent="-285750" algn="ctr">
+              <a:buFontTx/>
+              <a:buChar char="-"/>
+            </a:pPr>
+            <a:r>
+              <a:rPr lang="en-IN" dirty="0">
+                <a:solidFill>
+                  <a:schemeClr val="tx1"/>
+                </a:solidFill>
+              </a:rPr>
+              <a:t>Artifact(</a:t>
+            </a:r>
+            <a:r>
+              <a:rPr lang="en-IN" dirty="0" err="1">
+                <a:solidFill>
+                  <a:schemeClr val="tx1"/>
+                </a:solidFill>
+              </a:rPr>
+              <a:t>joblib</a:t>
+            </a:r>
+            <a:r>
+              <a:rPr lang="en-IN" dirty="0">
+                <a:solidFill>
+                  <a:schemeClr val="tx1"/>
+                </a:solidFill>
+              </a:rPr>
+              <a:t>)</a:t>
+            </a:r>
+          </a:p>
+          <a:p>
+            <a:pPr marL="285750" indent="-285750" algn="ctr">
+              <a:buFontTx/>
+              <a:buChar char="-"/>
+            </a:pPr>
+            <a:r>
+              <a:rPr lang="en-IN" dirty="0">
+                <a:solidFill>
+                  <a:schemeClr val="tx1"/>
+                </a:solidFill>
+              </a:rPr>
+              <a:t>Upload Artifact into S3Bucket</a:t>
+            </a:r>
+          </a:p>
+        </p:txBody>
+      </p:sp>
+      <p:grpSp>
+        <p:nvGrpSpPr>
+          <p:cNvPr id="14" name="Group 13">
+            <a:extLst>
+              <a:ext uri="{FF2B5EF4-FFF2-40B4-BE49-F238E27FC236}">
+                <a16:creationId xmlns:a16="http://schemas.microsoft.com/office/drawing/2014/main" id="{6617B2BC-4EB1-B5E8-C53B-22D5245C4246}"/>
+              </a:ext>
+            </a:extLst>
+          </p:cNvPr>
+          <p:cNvGrpSpPr/>
+          <p:nvPr/>
+        </p:nvGrpSpPr>
+        <p:grpSpPr>
+          <a:xfrm>
+            <a:off x="5737982" y="2573865"/>
+            <a:ext cx="2399695" cy="937382"/>
+            <a:chOff x="5737982" y="2573865"/>
+            <a:chExt cx="2399695" cy="937382"/>
+          </a:xfrm>
+        </p:grpSpPr>
+        <p:sp>
+          <p:nvSpPr>
+            <p:cNvPr id="7" name="Rectangle 6">
+              <a:extLst>
+                <a:ext uri="{FF2B5EF4-FFF2-40B4-BE49-F238E27FC236}">
+                  <a16:creationId xmlns:a16="http://schemas.microsoft.com/office/drawing/2014/main" id="{9668E42E-AD1A-41E0-4596-11DD7D0F3F78}"/>
+                </a:ext>
+              </a:extLst>
+            </p:cNvPr>
+            <p:cNvSpPr/>
+            <p:nvPr/>
+          </p:nvSpPr>
+          <p:spPr>
+            <a:xfrm>
+              <a:off x="5844421" y="2573865"/>
+              <a:ext cx="2186819" cy="937382"/>
+            </a:xfrm>
+            <a:prstGeom prst="rect">
+              <a:avLst/>
+            </a:prstGeom>
+            <a:ln>
+              <a:solidFill>
+                <a:schemeClr val="accent1"/>
+              </a:solidFill>
+            </a:ln>
+          </p:spPr>
+          <p:style>
+            <a:lnRef idx="2">
+              <a:schemeClr val="accent6"/>
+            </a:lnRef>
+            <a:fillRef idx="1">
+              <a:schemeClr val="lt1"/>
+            </a:fillRef>
+            <a:effectRef idx="0">
+              <a:schemeClr val="accent6"/>
+            </a:effectRef>
+            <a:fontRef idx="minor">
+              <a:schemeClr val="dk1"/>
+            </a:fontRef>
+          </p:style>
+          <p:txBody>
+            <a:bodyPr rtlCol="0" anchor="ctr"/>
+            <a:lstStyle/>
+            <a:p>
+              <a:pPr algn="ctr"/>
+              <a:endParaRPr lang="en-IN" dirty="0"/>
+            </a:p>
+          </p:txBody>
+        </p:sp>
+        <p:sp>
+          <p:nvSpPr>
+            <p:cNvPr id="22" name="TextBox 21">
+              <a:extLst>
+                <a:ext uri="{FF2B5EF4-FFF2-40B4-BE49-F238E27FC236}">
+                  <a16:creationId xmlns:a16="http://schemas.microsoft.com/office/drawing/2014/main" id="{871B0408-F136-2907-073E-B683355C55AA}"/>
+                </a:ext>
+              </a:extLst>
+            </p:cNvPr>
+            <p:cNvSpPr txBox="1"/>
+            <p:nvPr/>
+          </p:nvSpPr>
+          <p:spPr>
+            <a:xfrm>
+              <a:off x="5737982" y="2573865"/>
+              <a:ext cx="2399695" cy="923330"/>
+            </a:xfrm>
+            <a:prstGeom prst="rect">
+              <a:avLst/>
+            </a:prstGeom>
+            <a:noFill/>
+          </p:spPr>
+          <p:txBody>
+            <a:bodyPr wrap="square">
+              <a:spAutoFit/>
+            </a:bodyPr>
+            <a:lstStyle/>
+            <a:p>
+              <a:pPr marL="285750" indent="-285750">
+                <a:buFontTx/>
+                <a:buChar char="-"/>
+              </a:pPr>
+              <a:r>
+                <a:rPr lang="en-IN" dirty="0"/>
+                <a:t>Docker Build</a:t>
+              </a:r>
+            </a:p>
+            <a:p>
+              <a:pPr marL="285750" indent="-285750">
+                <a:buFontTx/>
+                <a:buChar char="-"/>
+              </a:pPr>
+              <a:r>
+                <a:rPr lang="en-IN" dirty="0"/>
+                <a:t>Docker Push to </a:t>
+              </a:r>
+              <a:r>
+                <a:rPr lang="en-IN" dirty="0" err="1"/>
+                <a:t>Dockerhub</a:t>
+              </a:r>
+              <a:r>
+                <a:rPr lang="en-IN" dirty="0"/>
+                <a:t>/AWS ECR</a:t>
+              </a:r>
+            </a:p>
+          </p:txBody>
+        </p:sp>
+      </p:grpSp>
+      <p:cxnSp>
+        <p:nvCxnSpPr>
+          <p:cNvPr id="3" name="Straight Arrow Connector 2">
+            <a:extLst>
+              <a:ext uri="{FF2B5EF4-FFF2-40B4-BE49-F238E27FC236}">
+                <a16:creationId xmlns:a16="http://schemas.microsoft.com/office/drawing/2014/main" id="{1F00B923-FC07-2696-D76B-0C040D025920}"/>
+              </a:ext>
+            </a:extLst>
+          </p:cNvPr>
+          <p:cNvCxnSpPr>
+            <a:stCxn id="5" idx="3"/>
+            <a:endCxn id="6" idx="1"/>
+          </p:cNvCxnSpPr>
+          <p:nvPr/>
+        </p:nvCxnSpPr>
+        <p:spPr>
+          <a:xfrm>
+            <a:off x="2472266" y="3028043"/>
+            <a:ext cx="595086" cy="7487"/>
+          </a:xfrm>
+          <a:prstGeom prst="straightConnector1">
+            <a:avLst/>
+          </a:prstGeom>
+          <a:ln>
+            <a:tailEnd type="triangle"/>
+          </a:ln>
+        </p:spPr>
+        <p:style>
+          <a:lnRef idx="1">
+            <a:schemeClr val="accent1"/>
+          </a:lnRef>
+          <a:fillRef idx="0">
+            <a:schemeClr val="accent1"/>
+          </a:fillRef>
+          <a:effectRef idx="0">
+            <a:schemeClr val="accent1"/>
+          </a:effectRef>
+          <a:fontRef idx="minor">
+            <a:schemeClr val="tx1"/>
+          </a:fontRef>
+        </p:style>
+      </p:cxnSp>
+      <p:cxnSp>
+        <p:nvCxnSpPr>
+          <p:cNvPr id="8" name="Straight Arrow Connector 7">
+            <a:extLst>
+              <a:ext uri="{FF2B5EF4-FFF2-40B4-BE49-F238E27FC236}">
+                <a16:creationId xmlns:a16="http://schemas.microsoft.com/office/drawing/2014/main" id="{F28828CF-CE74-573F-E0DB-86232A42212F}"/>
+              </a:ext>
+            </a:extLst>
+          </p:cNvPr>
+          <p:cNvCxnSpPr/>
+          <p:nvPr/>
+        </p:nvCxnSpPr>
+        <p:spPr>
+          <a:xfrm>
+            <a:off x="5251753" y="3042556"/>
+            <a:ext cx="595086" cy="7487"/>
+          </a:xfrm>
+          <a:prstGeom prst="straightConnector1">
+            <a:avLst/>
+          </a:prstGeom>
+          <a:ln>
+            <a:tailEnd type="triangle"/>
+          </a:ln>
+        </p:spPr>
+        <p:style>
+          <a:lnRef idx="1">
+            <a:schemeClr val="accent1"/>
+          </a:lnRef>
+          <a:fillRef idx="0">
+            <a:schemeClr val="accent1"/>
+          </a:fillRef>
+          <a:effectRef idx="0">
+            <a:schemeClr val="accent1"/>
+          </a:effectRef>
+          <a:fontRef idx="minor">
+            <a:schemeClr val="tx1"/>
+          </a:fontRef>
+        </p:style>
+      </p:cxnSp>
+      <p:cxnSp>
+        <p:nvCxnSpPr>
+          <p:cNvPr id="10" name="Straight Arrow Connector 9">
+            <a:extLst>
+              <a:ext uri="{FF2B5EF4-FFF2-40B4-BE49-F238E27FC236}">
+                <a16:creationId xmlns:a16="http://schemas.microsoft.com/office/drawing/2014/main" id="{2AE15E70-353E-805E-4B5F-187B718535BA}"/>
+              </a:ext>
+            </a:extLst>
+          </p:cNvPr>
+          <p:cNvCxnSpPr/>
+          <p:nvPr/>
+        </p:nvCxnSpPr>
+        <p:spPr>
+          <a:xfrm>
+            <a:off x="8031240" y="3050043"/>
+            <a:ext cx="595086" cy="7487"/>
+          </a:xfrm>
+          <a:prstGeom prst="straightConnector1">
+            <a:avLst/>
+          </a:prstGeom>
+          <a:ln>
+            <a:tailEnd type="triangle"/>
+          </a:ln>
+        </p:spPr>
+        <p:style>
+          <a:lnRef idx="1">
+            <a:schemeClr val="accent1"/>
+          </a:lnRef>
+          <a:fillRef idx="0">
+            <a:schemeClr val="accent1"/>
+          </a:fillRef>
+          <a:effectRef idx="0">
+            <a:schemeClr val="accent1"/>
+          </a:effectRef>
+          <a:fontRef idx="minor">
+            <a:schemeClr val="tx1"/>
+          </a:fontRef>
+        </p:style>
+      </p:cxnSp>
+      <p:grpSp>
+        <p:nvGrpSpPr>
+          <p:cNvPr id="15" name="Group 14">
+            <a:extLst>
+              <a:ext uri="{FF2B5EF4-FFF2-40B4-BE49-F238E27FC236}">
+                <a16:creationId xmlns:a16="http://schemas.microsoft.com/office/drawing/2014/main" id="{A63A47E7-D1CC-E04E-1BA3-9630188955E5}"/>
+              </a:ext>
+            </a:extLst>
+          </p:cNvPr>
+          <p:cNvGrpSpPr/>
+          <p:nvPr/>
+        </p:nvGrpSpPr>
+        <p:grpSpPr>
+          <a:xfrm>
+            <a:off x="8519886" y="2559352"/>
+            <a:ext cx="1470781" cy="937382"/>
+            <a:chOff x="5737982" y="2573865"/>
+            <a:chExt cx="2399695" cy="937382"/>
+          </a:xfrm>
+        </p:grpSpPr>
+        <p:sp>
+          <p:nvSpPr>
+            <p:cNvPr id="16" name="Rectangle 15">
+              <a:extLst>
+                <a:ext uri="{FF2B5EF4-FFF2-40B4-BE49-F238E27FC236}">
+                  <a16:creationId xmlns:a16="http://schemas.microsoft.com/office/drawing/2014/main" id="{3AC7A6AA-B3ED-FA62-EDD5-6CE48A604C57}"/>
+                </a:ext>
+              </a:extLst>
+            </p:cNvPr>
+            <p:cNvSpPr/>
+            <p:nvPr/>
+          </p:nvSpPr>
+          <p:spPr>
+            <a:xfrm>
+              <a:off x="5844421" y="2573865"/>
+              <a:ext cx="2186819" cy="937382"/>
+            </a:xfrm>
+            <a:prstGeom prst="rect">
+              <a:avLst/>
+            </a:prstGeom>
+            <a:ln>
+              <a:solidFill>
+                <a:schemeClr val="accent1"/>
+              </a:solidFill>
+            </a:ln>
+          </p:spPr>
+          <p:style>
+            <a:lnRef idx="2">
+              <a:schemeClr val="accent6"/>
+            </a:lnRef>
+            <a:fillRef idx="1">
+              <a:schemeClr val="lt1"/>
+            </a:fillRef>
+            <a:effectRef idx="0">
+              <a:schemeClr val="accent6"/>
+            </a:effectRef>
+            <a:fontRef idx="minor">
+              <a:schemeClr val="dk1"/>
+            </a:fontRef>
+          </p:style>
+          <p:txBody>
+            <a:bodyPr rtlCol="0" anchor="ctr"/>
+            <a:lstStyle/>
+            <a:p>
+              <a:pPr algn="ctr"/>
+              <a:endParaRPr lang="en-IN" dirty="0"/>
+            </a:p>
+          </p:txBody>
+        </p:sp>
+        <p:sp>
+          <p:nvSpPr>
+            <p:cNvPr id="17" name="TextBox 16">
+              <a:extLst>
+                <a:ext uri="{FF2B5EF4-FFF2-40B4-BE49-F238E27FC236}">
+                  <a16:creationId xmlns:a16="http://schemas.microsoft.com/office/drawing/2014/main" id="{5720DB92-E044-A297-7F5A-D5C26907BFD5}"/>
+                </a:ext>
+              </a:extLst>
+            </p:cNvPr>
+            <p:cNvSpPr txBox="1"/>
+            <p:nvPr/>
+          </p:nvSpPr>
+          <p:spPr>
+            <a:xfrm>
+              <a:off x="5737982" y="2573865"/>
+              <a:ext cx="2399695" cy="646331"/>
+            </a:xfrm>
+            <a:prstGeom prst="rect">
+              <a:avLst/>
+            </a:prstGeom>
+            <a:noFill/>
+          </p:spPr>
+          <p:txBody>
+            <a:bodyPr wrap="square">
+              <a:spAutoFit/>
+            </a:bodyPr>
+            <a:lstStyle/>
+            <a:p>
+              <a:pPr marL="285750" indent="-285750">
+                <a:buFontTx/>
+                <a:buChar char="-"/>
+              </a:pPr>
+              <a:r>
+                <a:rPr lang="en-IN" dirty="0"/>
+                <a:t>Dev</a:t>
+              </a:r>
+            </a:p>
+            <a:p>
+              <a:r>
+                <a:rPr lang="en-IN" dirty="0"/>
+                <a:t> K8s</a:t>
+              </a:r>
+            </a:p>
+          </p:txBody>
+        </p:sp>
+      </p:grpSp>
+      <p:cxnSp>
+        <p:nvCxnSpPr>
+          <p:cNvPr id="18" name="Straight Arrow Connector 17">
+            <a:extLst>
+              <a:ext uri="{FF2B5EF4-FFF2-40B4-BE49-F238E27FC236}">
+                <a16:creationId xmlns:a16="http://schemas.microsoft.com/office/drawing/2014/main" id="{FE01470B-59B5-8918-0583-7868CE9B7C64}"/>
+              </a:ext>
+            </a:extLst>
+          </p:cNvPr>
+          <p:cNvCxnSpPr/>
+          <p:nvPr/>
+        </p:nvCxnSpPr>
+        <p:spPr>
+          <a:xfrm>
+            <a:off x="9913260" y="2982309"/>
+            <a:ext cx="595086" cy="7487"/>
+          </a:xfrm>
+          <a:prstGeom prst="straightConnector1">
+            <a:avLst/>
+          </a:prstGeom>
+          <a:ln>
+            <a:tailEnd type="triangle"/>
+          </a:ln>
+        </p:spPr>
+        <p:style>
+          <a:lnRef idx="1">
+            <a:schemeClr val="accent1"/>
+          </a:lnRef>
+          <a:fillRef idx="0">
+            <a:schemeClr val="accent1"/>
+          </a:fillRef>
+          <a:effectRef idx="0">
+            <a:schemeClr val="accent1"/>
+          </a:effectRef>
+          <a:fontRef idx="minor">
+            <a:schemeClr val="tx1"/>
+          </a:fontRef>
+        </p:style>
+      </p:cxnSp>
+      <p:grpSp>
+        <p:nvGrpSpPr>
+          <p:cNvPr id="19" name="Group 18">
+            <a:extLst>
+              <a:ext uri="{FF2B5EF4-FFF2-40B4-BE49-F238E27FC236}">
+                <a16:creationId xmlns:a16="http://schemas.microsoft.com/office/drawing/2014/main" id="{F817CA0D-A7CA-14C7-6C90-929EDE26E94C}"/>
+              </a:ext>
+            </a:extLst>
+          </p:cNvPr>
+          <p:cNvGrpSpPr/>
+          <p:nvPr/>
+        </p:nvGrpSpPr>
+        <p:grpSpPr>
+          <a:xfrm>
+            <a:off x="10401906" y="2491618"/>
+            <a:ext cx="1470781" cy="937382"/>
+            <a:chOff x="5737982" y="2573865"/>
+            <a:chExt cx="2399695" cy="937382"/>
+          </a:xfrm>
+        </p:grpSpPr>
+        <p:sp>
+          <p:nvSpPr>
+            <p:cNvPr id="20" name="Rectangle 19">
+              <a:extLst>
+                <a:ext uri="{FF2B5EF4-FFF2-40B4-BE49-F238E27FC236}">
+                  <a16:creationId xmlns:a16="http://schemas.microsoft.com/office/drawing/2014/main" id="{27CF67CD-D80D-D988-A1C6-472F1D90A672}"/>
+                </a:ext>
+              </a:extLst>
+            </p:cNvPr>
+            <p:cNvSpPr/>
+            <p:nvPr/>
+          </p:nvSpPr>
+          <p:spPr>
+            <a:xfrm>
+              <a:off x="5844421" y="2573865"/>
+              <a:ext cx="2186819" cy="937382"/>
+            </a:xfrm>
+            <a:prstGeom prst="rect">
+              <a:avLst/>
+            </a:prstGeom>
+            <a:ln>
+              <a:solidFill>
+                <a:schemeClr val="accent1"/>
+              </a:solidFill>
+            </a:ln>
+          </p:spPr>
+          <p:style>
+            <a:lnRef idx="2">
+              <a:schemeClr val="accent6"/>
+            </a:lnRef>
+            <a:fillRef idx="1">
+              <a:schemeClr val="lt1"/>
+            </a:fillRef>
+            <a:effectRef idx="0">
+              <a:schemeClr val="accent6"/>
+            </a:effectRef>
+            <a:fontRef idx="minor">
+              <a:schemeClr val="dk1"/>
+            </a:fontRef>
+          </p:style>
+          <p:txBody>
+            <a:bodyPr rtlCol="0" anchor="ctr"/>
+            <a:lstStyle/>
+            <a:p>
+              <a:pPr algn="ctr"/>
+              <a:endParaRPr lang="en-IN" dirty="0"/>
+            </a:p>
+          </p:txBody>
+        </p:sp>
+        <p:sp>
+          <p:nvSpPr>
+            <p:cNvPr id="21" name="TextBox 20">
+              <a:extLst>
+                <a:ext uri="{FF2B5EF4-FFF2-40B4-BE49-F238E27FC236}">
+                  <a16:creationId xmlns:a16="http://schemas.microsoft.com/office/drawing/2014/main" id="{DE905AF4-43B3-8CD1-13AE-1E59BDA18FFA}"/>
+                </a:ext>
+              </a:extLst>
+            </p:cNvPr>
+            <p:cNvSpPr txBox="1"/>
+            <p:nvPr/>
+          </p:nvSpPr>
+          <p:spPr>
+            <a:xfrm>
+              <a:off x="5737982" y="2573865"/>
+              <a:ext cx="2399695" cy="369332"/>
+            </a:xfrm>
+            <a:prstGeom prst="rect">
+              <a:avLst/>
+            </a:prstGeom>
+            <a:noFill/>
+          </p:spPr>
+          <p:txBody>
+            <a:bodyPr wrap="square">
+              <a:spAutoFit/>
+            </a:bodyPr>
+            <a:lstStyle/>
+            <a:p>
+              <a:pPr marL="285750" indent="-285750">
+                <a:buFontTx/>
+                <a:buChar char="-"/>
+              </a:pPr>
+              <a:r>
+                <a:rPr lang="en-IN" dirty="0"/>
+                <a:t>Stable</a:t>
+              </a:r>
+            </a:p>
+          </p:txBody>
+        </p:sp>
+      </p:grpSp>
+      <p:sp>
+        <p:nvSpPr>
+          <p:cNvPr id="31" name="Rectangle 30">
+            <a:extLst>
+              <a:ext uri="{FF2B5EF4-FFF2-40B4-BE49-F238E27FC236}">
+                <a16:creationId xmlns:a16="http://schemas.microsoft.com/office/drawing/2014/main" id="{89E2D9BC-1FFB-A82B-EDE0-6A6CEDD4351F}"/>
+              </a:ext>
+            </a:extLst>
+          </p:cNvPr>
+          <p:cNvSpPr/>
+          <p:nvPr/>
+        </p:nvSpPr>
+        <p:spPr>
+          <a:xfrm>
+            <a:off x="389466" y="4521200"/>
+            <a:ext cx="2186819" cy="937382"/>
+          </a:xfrm>
+          <a:prstGeom prst="rect">
+            <a:avLst/>
+          </a:prstGeom>
+          <a:ln>
+            <a:solidFill>
+              <a:schemeClr val="accent1"/>
+            </a:solidFill>
+          </a:ln>
+        </p:spPr>
+        <p:style>
+          <a:lnRef idx="2">
+            <a:schemeClr val="accent6"/>
+          </a:lnRef>
+          <a:fillRef idx="1">
+            <a:schemeClr val="lt1"/>
+          </a:fillRef>
+          <a:effectRef idx="0">
+            <a:schemeClr val="accent6"/>
+          </a:effectRef>
+          <a:fontRef idx="minor">
+            <a:schemeClr val="dk1"/>
+          </a:fontRef>
+        </p:style>
+        <p:txBody>
+          <a:bodyPr rtlCol="0" anchor="ctr"/>
+          <a:lstStyle/>
+          <a:p>
+            <a:r>
+              <a:rPr lang="en-IN" dirty="0"/>
+              <a:t>Source (Github.com)</a:t>
+            </a:r>
+          </a:p>
+          <a:p>
+            <a:pPr marL="285750" indent="-285750">
+              <a:buFontTx/>
+              <a:buChar char="-"/>
+            </a:pPr>
+            <a:r>
+              <a:rPr lang="en-IN" dirty="0"/>
+              <a:t>src/mlapp/app.py</a:t>
+            </a:r>
+          </a:p>
+          <a:p>
+            <a:pPr marL="285750" indent="-285750">
+              <a:buFontTx/>
+              <a:buChar char="-"/>
+            </a:pPr>
+            <a:r>
+              <a:rPr lang="en-IN" dirty="0"/>
+              <a:t>Data/rental.csv</a:t>
+            </a:r>
+          </a:p>
+        </p:txBody>
+      </p:sp>
+      <p:cxnSp>
+        <p:nvCxnSpPr>
+          <p:cNvPr id="34" name="Connector: Elbow 33">
+            <a:extLst>
+              <a:ext uri="{FF2B5EF4-FFF2-40B4-BE49-F238E27FC236}">
+                <a16:creationId xmlns:a16="http://schemas.microsoft.com/office/drawing/2014/main" id="{485CD8E9-EC13-0F0A-99E0-906B69890856}"/>
+              </a:ext>
+            </a:extLst>
+          </p:cNvPr>
+          <p:cNvCxnSpPr>
+            <a:stCxn id="20" idx="2"/>
+            <a:endCxn id="31" idx="0"/>
+          </p:cNvCxnSpPr>
+          <p:nvPr/>
+        </p:nvCxnSpPr>
+        <p:spPr>
+          <a:xfrm rot="5400000">
+            <a:off x="5763987" y="-852111"/>
+            <a:ext cx="1092200" cy="9654422"/>
+          </a:xfrm>
+          <a:prstGeom prst="bentConnector3">
+            <a:avLst/>
+          </a:prstGeom>
+          <a:ln>
+            <a:tailEnd type="triangle"/>
+          </a:ln>
+        </p:spPr>
+        <p:style>
+          <a:lnRef idx="1">
+            <a:schemeClr val="accent1"/>
+          </a:lnRef>
+          <a:fillRef idx="0">
+            <a:schemeClr val="accent1"/>
+          </a:fillRef>
+          <a:effectRef idx="0">
+            <a:schemeClr val="accent1"/>
+          </a:effectRef>
+          <a:fontRef idx="minor">
+            <a:schemeClr val="tx1"/>
+          </a:fontRef>
+        </p:style>
+      </p:cxnSp>
+      <p:sp>
+        <p:nvSpPr>
+          <p:cNvPr id="35" name="TextBox 34">
+            <a:extLst>
+              <a:ext uri="{FF2B5EF4-FFF2-40B4-BE49-F238E27FC236}">
+                <a16:creationId xmlns:a16="http://schemas.microsoft.com/office/drawing/2014/main" id="{581ECCE0-0722-49EF-1AE7-31FCE141B5D7}"/>
+              </a:ext>
+            </a:extLst>
+          </p:cNvPr>
+          <p:cNvSpPr txBox="1"/>
+          <p:nvPr/>
+        </p:nvSpPr>
+        <p:spPr>
+          <a:xfrm>
+            <a:off x="389466" y="4151086"/>
+            <a:ext cx="791029" cy="369332"/>
+          </a:xfrm>
+          <a:prstGeom prst="rect">
+            <a:avLst/>
+          </a:prstGeom>
+          <a:noFill/>
+        </p:spPr>
+        <p:txBody>
+          <a:bodyPr wrap="square" rtlCol="0">
+            <a:spAutoFit/>
+          </a:bodyPr>
+          <a:lstStyle/>
+          <a:p>
+            <a:r>
+              <a:rPr lang="en-IN" dirty="0"/>
+              <a:t>QA</a:t>
+            </a:r>
+          </a:p>
+        </p:txBody>
+      </p:sp>
+      <p:sp>
+        <p:nvSpPr>
+          <p:cNvPr id="36" name="TextBox 35">
+            <a:extLst>
+              <a:ext uri="{FF2B5EF4-FFF2-40B4-BE49-F238E27FC236}">
+                <a16:creationId xmlns:a16="http://schemas.microsoft.com/office/drawing/2014/main" id="{54835CD9-D198-0916-39FA-F341A8295DA2}"/>
+              </a:ext>
+            </a:extLst>
+          </p:cNvPr>
+          <p:cNvSpPr txBox="1"/>
+          <p:nvPr/>
+        </p:nvSpPr>
+        <p:spPr>
+          <a:xfrm>
+            <a:off x="389466" y="1971310"/>
+            <a:ext cx="791029" cy="369332"/>
+          </a:xfrm>
+          <a:prstGeom prst="rect">
+            <a:avLst/>
+          </a:prstGeom>
+          <a:noFill/>
+        </p:spPr>
+        <p:txBody>
+          <a:bodyPr wrap="square" rtlCol="0">
+            <a:spAutoFit/>
+          </a:bodyPr>
+          <a:lstStyle/>
+          <a:p>
+            <a:r>
+              <a:rPr lang="en-IN" dirty="0"/>
+              <a:t>Dev</a:t>
+            </a:r>
+          </a:p>
+        </p:txBody>
+      </p:sp>
+      <p:sp>
+        <p:nvSpPr>
+          <p:cNvPr id="47" name="Rectangle 46">
+            <a:extLst>
+              <a:ext uri="{FF2B5EF4-FFF2-40B4-BE49-F238E27FC236}">
+                <a16:creationId xmlns:a16="http://schemas.microsoft.com/office/drawing/2014/main" id="{D29D88ED-4BDB-A977-F74A-675053BE47EE}"/>
+              </a:ext>
+            </a:extLst>
+          </p:cNvPr>
+          <p:cNvSpPr/>
+          <p:nvPr/>
+        </p:nvSpPr>
+        <p:spPr>
+          <a:xfrm>
+            <a:off x="3171371" y="4453467"/>
+            <a:ext cx="2186819" cy="923330"/>
+          </a:xfrm>
+          <a:prstGeom prst="rect">
+            <a:avLst/>
+          </a:prstGeom>
+          <a:noFill/>
+          <a:ln>
+            <a:solidFill>
+              <a:schemeClr val="accent1"/>
+            </a:solidFill>
+          </a:ln>
+        </p:spPr>
+        <p:txBody>
+          <a:bodyPr wrap="square">
+            <a:spAutoFit/>
+          </a:bodyPr>
+          <a:lstStyle/>
+          <a:p>
+            <a:pPr marL="285750" indent="-285750" algn="ctr">
+              <a:buFontTx/>
+              <a:buChar char="-"/>
+            </a:pPr>
+            <a:r>
+              <a:rPr lang="en-IN" dirty="0">
+                <a:solidFill>
+                  <a:schemeClr val="tx1"/>
+                </a:solidFill>
+              </a:rPr>
+              <a:t>Artifact(</a:t>
+            </a:r>
+            <a:r>
+              <a:rPr lang="en-IN" dirty="0" err="1">
+                <a:solidFill>
+                  <a:schemeClr val="tx1"/>
+                </a:solidFill>
+              </a:rPr>
+              <a:t>joblib</a:t>
+            </a:r>
+            <a:r>
+              <a:rPr lang="en-IN" dirty="0">
+                <a:solidFill>
+                  <a:schemeClr val="tx1"/>
+                </a:solidFill>
+              </a:rPr>
+              <a:t>)</a:t>
+            </a:r>
+          </a:p>
+          <a:p>
+            <a:pPr marL="285750" indent="-285750" algn="ctr">
+              <a:buFontTx/>
+              <a:buChar char="-"/>
+            </a:pPr>
+            <a:r>
+              <a:rPr lang="en-IN" dirty="0">
+                <a:solidFill>
+                  <a:schemeClr val="tx1"/>
+                </a:solidFill>
+              </a:rPr>
+              <a:t>Upload Artifact into S3Bucket</a:t>
+            </a:r>
+          </a:p>
+        </p:txBody>
+      </p:sp>
+      <p:grpSp>
+        <p:nvGrpSpPr>
+          <p:cNvPr id="48" name="Group 47">
+            <a:extLst>
+              <a:ext uri="{FF2B5EF4-FFF2-40B4-BE49-F238E27FC236}">
+                <a16:creationId xmlns:a16="http://schemas.microsoft.com/office/drawing/2014/main" id="{A2277E8A-1319-70DF-CC3C-C7666064C48A}"/>
+              </a:ext>
+            </a:extLst>
+          </p:cNvPr>
+          <p:cNvGrpSpPr/>
+          <p:nvPr/>
+        </p:nvGrpSpPr>
+        <p:grpSpPr>
+          <a:xfrm>
+            <a:off x="5948440" y="4453467"/>
+            <a:ext cx="2186819" cy="1023979"/>
+            <a:chOff x="5844421" y="2573865"/>
+            <a:chExt cx="2186819" cy="1023979"/>
+          </a:xfrm>
+        </p:grpSpPr>
+        <p:sp>
+          <p:nvSpPr>
+            <p:cNvPr id="49" name="Rectangle 48">
+              <a:extLst>
+                <a:ext uri="{FF2B5EF4-FFF2-40B4-BE49-F238E27FC236}">
+                  <a16:creationId xmlns:a16="http://schemas.microsoft.com/office/drawing/2014/main" id="{B84B9DF6-646D-11D3-67D4-97A247CFFC08}"/>
+                </a:ext>
+              </a:extLst>
+            </p:cNvPr>
+            <p:cNvSpPr/>
+            <p:nvPr/>
+          </p:nvSpPr>
+          <p:spPr>
+            <a:xfrm>
+              <a:off x="5844421" y="2573865"/>
+              <a:ext cx="2186819" cy="937382"/>
+            </a:xfrm>
+            <a:prstGeom prst="rect">
+              <a:avLst/>
+            </a:prstGeom>
+            <a:ln>
+              <a:solidFill>
+                <a:schemeClr val="accent1"/>
+              </a:solidFill>
+            </a:ln>
+          </p:spPr>
+          <p:style>
+            <a:lnRef idx="2">
+              <a:schemeClr val="accent6"/>
+            </a:lnRef>
+            <a:fillRef idx="1">
+              <a:schemeClr val="lt1"/>
+            </a:fillRef>
+            <a:effectRef idx="0">
+              <a:schemeClr val="accent6"/>
+            </a:effectRef>
+            <a:fontRef idx="minor">
+              <a:schemeClr val="dk1"/>
+            </a:fontRef>
+          </p:style>
+          <p:txBody>
+            <a:bodyPr rtlCol="0" anchor="ctr"/>
+            <a:lstStyle/>
+            <a:p>
+              <a:pPr algn="ctr"/>
+              <a:endParaRPr lang="en-IN" dirty="0"/>
+            </a:p>
+          </p:txBody>
+        </p:sp>
+        <p:sp>
+          <p:nvSpPr>
+            <p:cNvPr id="50" name="TextBox 49">
+              <a:extLst>
+                <a:ext uri="{FF2B5EF4-FFF2-40B4-BE49-F238E27FC236}">
+                  <a16:creationId xmlns:a16="http://schemas.microsoft.com/office/drawing/2014/main" id="{F93058A0-9D1D-6D37-DC44-4EB57AC98C8B}"/>
+                </a:ext>
+              </a:extLst>
+            </p:cNvPr>
+            <p:cNvSpPr txBox="1"/>
+            <p:nvPr/>
+          </p:nvSpPr>
+          <p:spPr>
+            <a:xfrm>
+              <a:off x="5908486" y="2643737"/>
+              <a:ext cx="2006483" cy="954107"/>
+            </a:xfrm>
+            <a:prstGeom prst="rect">
+              <a:avLst/>
+            </a:prstGeom>
+            <a:noFill/>
+          </p:spPr>
+          <p:txBody>
+            <a:bodyPr wrap="square">
+              <a:spAutoFit/>
+            </a:bodyPr>
+            <a:lstStyle/>
+            <a:p>
+              <a:pPr marL="285750" indent="-285750">
+                <a:buFontTx/>
+                <a:buChar char="-"/>
+              </a:pPr>
+              <a:r>
+                <a:rPr lang="en-IN" sz="1400" dirty="0"/>
+                <a:t>Docker Build</a:t>
+              </a:r>
+            </a:p>
+            <a:p>
+              <a:pPr marL="285750" indent="-285750">
+                <a:buFontTx/>
+                <a:buChar char="-"/>
+              </a:pPr>
+              <a:r>
+                <a:rPr lang="en-IN" sz="1400" dirty="0"/>
+                <a:t>Docker Push to </a:t>
+              </a:r>
+              <a:r>
+                <a:rPr lang="en-IN" sz="1400" dirty="0" err="1"/>
+                <a:t>Dockerhub</a:t>
+              </a:r>
+              <a:r>
+                <a:rPr lang="en-IN" sz="1400" dirty="0"/>
+                <a:t>/AWS QA ECR</a:t>
+              </a:r>
+            </a:p>
+          </p:txBody>
+        </p:sp>
+      </p:grpSp>
+      <p:cxnSp>
+        <p:nvCxnSpPr>
+          <p:cNvPr id="51" name="Straight Arrow Connector 50">
+            <a:extLst>
+              <a:ext uri="{FF2B5EF4-FFF2-40B4-BE49-F238E27FC236}">
+                <a16:creationId xmlns:a16="http://schemas.microsoft.com/office/drawing/2014/main" id="{D5FFD8D2-2FD9-C436-800D-E21ED2018E2C}"/>
+              </a:ext>
+            </a:extLst>
+          </p:cNvPr>
+          <p:cNvCxnSpPr>
+            <a:endCxn id="47" idx="1"/>
+          </p:cNvCxnSpPr>
+          <p:nvPr/>
+        </p:nvCxnSpPr>
+        <p:spPr>
+          <a:xfrm>
+            <a:off x="2576285" y="4907645"/>
+            <a:ext cx="595086" cy="7487"/>
+          </a:xfrm>
+          <a:prstGeom prst="straightConnector1">
+            <a:avLst/>
+          </a:prstGeom>
+          <a:ln>
+            <a:tailEnd type="triangle"/>
+          </a:ln>
+        </p:spPr>
+        <p:style>
+          <a:lnRef idx="1">
+            <a:schemeClr val="accent1"/>
+          </a:lnRef>
+          <a:fillRef idx="0">
+            <a:schemeClr val="accent1"/>
+          </a:fillRef>
+          <a:effectRef idx="0">
+            <a:schemeClr val="accent1"/>
+          </a:effectRef>
+          <a:fontRef idx="minor">
+            <a:schemeClr val="tx1"/>
+          </a:fontRef>
+        </p:style>
+      </p:cxnSp>
+      <p:cxnSp>
+        <p:nvCxnSpPr>
+          <p:cNvPr id="52" name="Straight Arrow Connector 51">
+            <a:extLst>
+              <a:ext uri="{FF2B5EF4-FFF2-40B4-BE49-F238E27FC236}">
+                <a16:creationId xmlns:a16="http://schemas.microsoft.com/office/drawing/2014/main" id="{57F1CF4F-6602-E3B3-A833-5C344D964591}"/>
+              </a:ext>
+            </a:extLst>
+          </p:cNvPr>
+          <p:cNvCxnSpPr/>
+          <p:nvPr/>
+        </p:nvCxnSpPr>
+        <p:spPr>
+          <a:xfrm>
+            <a:off x="5355772" y="4922158"/>
+            <a:ext cx="595086" cy="7487"/>
+          </a:xfrm>
+          <a:prstGeom prst="straightConnector1">
+            <a:avLst/>
+          </a:prstGeom>
+          <a:ln>
+            <a:tailEnd type="triangle"/>
+          </a:ln>
+        </p:spPr>
+        <p:style>
+          <a:lnRef idx="1">
+            <a:schemeClr val="accent1"/>
+          </a:lnRef>
+          <a:fillRef idx="0">
+            <a:schemeClr val="accent1"/>
+          </a:fillRef>
+          <a:effectRef idx="0">
+            <a:schemeClr val="accent1"/>
+          </a:effectRef>
+          <a:fontRef idx="minor">
+            <a:schemeClr val="tx1"/>
+          </a:fontRef>
+        </p:style>
+      </p:cxnSp>
+      <p:cxnSp>
+        <p:nvCxnSpPr>
+          <p:cNvPr id="53" name="Straight Arrow Connector 52">
+            <a:extLst>
+              <a:ext uri="{FF2B5EF4-FFF2-40B4-BE49-F238E27FC236}">
+                <a16:creationId xmlns:a16="http://schemas.microsoft.com/office/drawing/2014/main" id="{AC282D13-E3F6-5B15-88FD-E4FDDF03B15A}"/>
+              </a:ext>
+            </a:extLst>
+          </p:cNvPr>
+          <p:cNvCxnSpPr/>
+          <p:nvPr/>
+        </p:nvCxnSpPr>
+        <p:spPr>
+          <a:xfrm>
+            <a:off x="8135259" y="4929645"/>
+            <a:ext cx="595086" cy="7487"/>
+          </a:xfrm>
+          <a:prstGeom prst="straightConnector1">
+            <a:avLst/>
+          </a:prstGeom>
+          <a:ln>
+            <a:tailEnd type="triangle"/>
+          </a:ln>
+        </p:spPr>
+        <p:style>
+          <a:lnRef idx="1">
+            <a:schemeClr val="accent1"/>
+          </a:lnRef>
+          <a:fillRef idx="0">
+            <a:schemeClr val="accent1"/>
+          </a:fillRef>
+          <a:effectRef idx="0">
+            <a:schemeClr val="accent1"/>
+          </a:effectRef>
+          <a:fontRef idx="minor">
+            <a:schemeClr val="tx1"/>
+          </a:fontRef>
+        </p:style>
+      </p:cxnSp>
+      <p:grpSp>
+        <p:nvGrpSpPr>
+          <p:cNvPr id="54" name="Group 53">
+            <a:extLst>
+              <a:ext uri="{FF2B5EF4-FFF2-40B4-BE49-F238E27FC236}">
+                <a16:creationId xmlns:a16="http://schemas.microsoft.com/office/drawing/2014/main" id="{44DF2972-DE7E-4D68-56DB-9F21A95AA419}"/>
+              </a:ext>
+            </a:extLst>
+          </p:cNvPr>
+          <p:cNvGrpSpPr/>
+          <p:nvPr/>
+        </p:nvGrpSpPr>
+        <p:grpSpPr>
+          <a:xfrm>
+            <a:off x="8623905" y="4438954"/>
+            <a:ext cx="1470781" cy="937382"/>
+            <a:chOff x="5737982" y="2573865"/>
+            <a:chExt cx="2399695" cy="937382"/>
+          </a:xfrm>
+        </p:grpSpPr>
+        <p:sp>
+          <p:nvSpPr>
+            <p:cNvPr id="55" name="Rectangle 54">
+              <a:extLst>
+                <a:ext uri="{FF2B5EF4-FFF2-40B4-BE49-F238E27FC236}">
+                  <a16:creationId xmlns:a16="http://schemas.microsoft.com/office/drawing/2014/main" id="{16BE5681-5B44-9B67-462B-4C0560B644A5}"/>
+                </a:ext>
+              </a:extLst>
+            </p:cNvPr>
+            <p:cNvSpPr/>
+            <p:nvPr/>
+          </p:nvSpPr>
+          <p:spPr>
+            <a:xfrm>
+              <a:off x="5844421" y="2573865"/>
+              <a:ext cx="2186819" cy="937382"/>
+            </a:xfrm>
+            <a:prstGeom prst="rect">
+              <a:avLst/>
+            </a:prstGeom>
+            <a:ln>
+              <a:solidFill>
+                <a:schemeClr val="accent1"/>
+              </a:solidFill>
+            </a:ln>
+          </p:spPr>
+          <p:style>
+            <a:lnRef idx="2">
+              <a:schemeClr val="accent6"/>
+            </a:lnRef>
+            <a:fillRef idx="1">
+              <a:schemeClr val="lt1"/>
+            </a:fillRef>
+            <a:effectRef idx="0">
+              <a:schemeClr val="accent6"/>
+            </a:effectRef>
+            <a:fontRef idx="minor">
+              <a:schemeClr val="dk1"/>
+            </a:fontRef>
+          </p:style>
+          <p:txBody>
+            <a:bodyPr rtlCol="0" anchor="ctr"/>
+            <a:lstStyle/>
+            <a:p>
+              <a:pPr algn="ctr"/>
+              <a:endParaRPr lang="en-IN" dirty="0"/>
+            </a:p>
+          </p:txBody>
+        </p:sp>
+        <p:sp>
+          <p:nvSpPr>
+            <p:cNvPr id="56" name="TextBox 55">
+              <a:extLst>
+                <a:ext uri="{FF2B5EF4-FFF2-40B4-BE49-F238E27FC236}">
+                  <a16:creationId xmlns:a16="http://schemas.microsoft.com/office/drawing/2014/main" id="{C99E007B-C061-464F-EE94-C1D0331E4B4E}"/>
+                </a:ext>
+              </a:extLst>
+            </p:cNvPr>
+            <p:cNvSpPr txBox="1"/>
+            <p:nvPr/>
+          </p:nvSpPr>
+          <p:spPr>
+            <a:xfrm>
+              <a:off x="5737982" y="2573865"/>
+              <a:ext cx="2399695" cy="646331"/>
+            </a:xfrm>
+            <a:prstGeom prst="rect">
+              <a:avLst/>
+            </a:prstGeom>
+            <a:noFill/>
+          </p:spPr>
+          <p:txBody>
+            <a:bodyPr wrap="square">
+              <a:spAutoFit/>
+            </a:bodyPr>
+            <a:lstStyle/>
+            <a:p>
+              <a:pPr marL="285750" indent="-285750">
+                <a:buFontTx/>
+                <a:buChar char="-"/>
+              </a:pPr>
+              <a:r>
+                <a:rPr lang="en-IN" dirty="0"/>
+                <a:t>QA</a:t>
+              </a:r>
+            </a:p>
+            <a:p>
+              <a:r>
+                <a:rPr lang="en-IN" dirty="0"/>
+                <a:t> K8s</a:t>
+              </a:r>
+            </a:p>
+          </p:txBody>
+        </p:sp>
+      </p:grpSp>
+    </p:spTree>
+    <p:extLst>
+      <p:ext uri="{BB962C8B-B14F-4D97-AF65-F5344CB8AC3E}">
+        <p14:creationId xmlns:p14="http://schemas.microsoft.com/office/powerpoint/2010/main" val="1220167312"/>
+      </p:ext>
+    </p:extLst>
+  </p:cSld>
+  <p:clrMapOvr>
+    <a:masterClrMapping/>
+  </p:clrMapOvr>
+</p:sld>
+</file>
+
 <file path=ppt/theme/theme1.xml><?xml version="1.0" encoding="utf-8"?>
 <a:theme xmlns:a="http://schemas.openxmlformats.org/drawingml/2006/main" name="Office Theme">
   <a:themeElements>
